--- a/etc/DB_Info/테이블_설계_도식화.pptx
+++ b/etc/DB_Info/테이블_설계_도식화.pptx
@@ -104,6 +104,11 @@
       </a:defRPr>
     </a:lvl9pPr>
   </p:defaultTextStyle>
+  <p:extLst>
+    <p:ext uri="{EFAFB233-063F-42B5-8137-9DF3F51BA10A}">
+      <p15:sldGuideLst xmlns:p15="http://schemas.microsoft.com/office/powerpoint/2012/main"/>
+    </p:ext>
+  </p:extLst>
 </p:presentation>
 </file>
 
@@ -3252,11 +3257,7 @@
                       <a:pPr algn="l" latinLnBrk="1"/>
                       <a:r>
                         <a:rPr lang="en-US" altLang="ko-KR" sz="1000" dirty="0" err="1" smtClean="0"/>
-                        <a:t>consultingP</a:t>
-                      </a:r>
-                      <a:r>
-                        <a:rPr lang="en-US" altLang="ko-KR" sz="1000" dirty="0" err="1" smtClean="0"/>
-                        <a:t>rogress</a:t>
+                        <a:t>consultingProgress</a:t>
                       </a:r>
                       <a:r>
                         <a:rPr lang="en-US" altLang="ko-KR" sz="1000" dirty="0" smtClean="0"/>
@@ -3297,14 +3298,14 @@
           <p:nvPr>
             <p:extLst>
               <p:ext uri="{D42A27DB-BD31-4B8C-83A1-F6EECF244321}">
-                <p14:modId xmlns:p14="http://schemas.microsoft.com/office/powerpoint/2010/main" val="3741661888"/>
+                <p14:modId xmlns:p14="http://schemas.microsoft.com/office/powerpoint/2010/main" val="4169476561"/>
               </p:ext>
             </p:extLst>
           </p:nvPr>
         </p:nvGraphicFramePr>
         <p:xfrm>
           <a:off x="7724689" y="2996928"/>
-          <a:ext cx="2752811" cy="627055"/>
+          <a:ext cx="3412868" cy="701040"/>
         </p:xfrm>
         <a:graphic>
           <a:graphicData uri="http://schemas.openxmlformats.org/drawingml/2006/table">
@@ -3313,7 +3314,7 @@
                 <a:tableStyleId>{073A0DAA-6AF3-43AB-8588-CEC1D06C72B9}</a:tableStyleId>
               </a:tblPr>
               <a:tblGrid>
-                <a:gridCol w="2752811"/>
+                <a:gridCol w="3412868"/>
               </a:tblGrid>
               <a:tr h="215998">
                 <a:tc>
@@ -3353,11 +3354,39 @@
                       <a:pPr algn="l" latinLnBrk="1"/>
                       <a:r>
                         <a:rPr lang="en-US" altLang="ko-KR" sz="1000" baseline="0" dirty="0" err="1" smtClean="0"/>
-                        <a:t>LastModify</a:t>
+                        <a:t>createdDate</a:t>
                       </a:r>
                       <a:r>
                         <a:rPr lang="en-US" altLang="ko-KR" sz="1000" baseline="0" dirty="0" smtClean="0"/>
                         <a:t> : </a:t>
+                      </a:r>
+                      <a:r>
+                        <a:rPr lang="en-US" altLang="ko-KR" sz="1000" dirty="0" err="1" smtClean="0"/>
+                        <a:t>LocalDateTime</a:t>
+                      </a:r>
+                      <a:r>
+                        <a:rPr lang="en-US" altLang="ko-KR" sz="1000" dirty="0" smtClean="0"/>
+                        <a:t>[</a:t>
+                      </a:r>
+                      <a:r>
+                        <a:rPr lang="ko-KR" altLang="en-US" sz="1000" dirty="0" err="1" smtClean="0"/>
+                        <a:t>최초수정일시</a:t>
+                      </a:r>
+                      <a:r>
+                        <a:rPr lang="en-US" altLang="ko-KR" sz="1000" dirty="0" smtClean="0"/>
+                        <a:t>]</a:t>
+                      </a:r>
+                      <a:endParaRPr lang="en-US" altLang="ko-KR" sz="1000" baseline="0" dirty="0" smtClean="0"/>
+                    </a:p>
+                    <a:p>
+                      <a:pPr algn="l" latinLnBrk="1"/>
+                      <a:r>
+                        <a:rPr lang="en-US" altLang="ko-KR" sz="1000" baseline="0" dirty="0" err="1" smtClean="0"/>
+                        <a:t>lastModifiedDate</a:t>
+                      </a:r>
+                      <a:r>
+                        <a:rPr lang="en-US" altLang="ko-KR" sz="1000" baseline="0" dirty="0" smtClean="0"/>
+                        <a:t>: </a:t>
                       </a:r>
                       <a:r>
                         <a:rPr lang="en-US" altLang="ko-KR" sz="1000" baseline="0" dirty="0" err="1" smtClean="0"/>
@@ -3810,14 +3839,14 @@
           <p:nvPr>
             <p:extLst>
               <p:ext uri="{D42A27DB-BD31-4B8C-83A1-F6EECF244321}">
-                <p14:modId xmlns:p14="http://schemas.microsoft.com/office/powerpoint/2010/main" val="2462997080"/>
+                <p14:modId xmlns:p14="http://schemas.microsoft.com/office/powerpoint/2010/main" val="618674371"/>
               </p:ext>
             </p:extLst>
           </p:nvPr>
         </p:nvGraphicFramePr>
         <p:xfrm>
           <a:off x="6951705" y="197077"/>
-          <a:ext cx="2943997" cy="1158240"/>
+          <a:ext cx="3222025" cy="1079330"/>
         </p:xfrm>
         <a:graphic>
           <a:graphicData uri="http://schemas.openxmlformats.org/drawingml/2006/table">
@@ -3826,7 +3855,7 @@
                 <a:tableStyleId>{073A0DAA-6AF3-43AB-8588-CEC1D06C72B9}</a:tableStyleId>
               </a:tblPr>
               <a:tblGrid>
-                <a:gridCol w="2943997"/>
+                <a:gridCol w="3222025"/>
               </a:tblGrid>
               <a:tr h="224982">
                 <a:tc>
@@ -3880,46 +3909,40 @@
                     <a:p>
                       <a:pPr algn="l" latinLnBrk="1"/>
                       <a:r>
-                        <a:rPr lang="en-US" altLang="ko-KR" sz="1000" dirty="0" smtClean="0"/>
-                        <a:t>tile</a:t>
-                      </a:r>
-                      <a:r>
                         <a:rPr lang="en-US" altLang="ko-KR" sz="1000" baseline="0" dirty="0" smtClean="0"/>
-                        <a:t> : String [</a:t>
+                        <a:t>Contents : Contents [</a:t>
                       </a:r>
                       <a:r>
                         <a:rPr lang="ko-KR" altLang="en-US" sz="1000" baseline="0" dirty="0" smtClean="0"/>
-                        <a:t>후기제목</a:t>
+                        <a:t>제목</a:t>
+                      </a:r>
+                      <a:r>
+                        <a:rPr lang="en-US" altLang="ko-KR" sz="1000" baseline="0" dirty="0" smtClean="0"/>
+                        <a:t>, </a:t>
+                      </a:r>
+                      <a:r>
+                        <a:rPr lang="ko-KR" altLang="en-US" sz="1000" baseline="0" dirty="0" smtClean="0"/>
+                        <a:t>내용</a:t>
                       </a:r>
                       <a:r>
                         <a:rPr lang="en-US" altLang="ko-KR" sz="1000" baseline="0" dirty="0" smtClean="0"/>
                         <a:t>]</a:t>
                       </a:r>
+                      <a:endParaRPr lang="en-US" altLang="ko-KR" sz="1000" dirty="0" smtClean="0"/>
                     </a:p>
                     <a:p>
                       <a:pPr algn="l" latinLnBrk="1"/>
                       <a:r>
-                        <a:rPr lang="en-US" altLang="ko-KR" sz="1000" baseline="0" dirty="0" smtClean="0"/>
-                        <a:t>content :String [</a:t>
-                      </a:r>
-                      <a:r>
-                        <a:rPr lang="ko-KR" altLang="en-US" sz="1000" baseline="0" dirty="0" smtClean="0"/>
-                        <a:t>후기내용</a:t>
-                      </a:r>
-                      <a:r>
-                        <a:rPr lang="en-US" altLang="ko-KR" sz="1000" baseline="0" dirty="0" smtClean="0"/>
-                        <a:t>]</a:t>
-                      </a:r>
-                    </a:p>
-                    <a:p>
-                      <a:pPr algn="l" latinLnBrk="1"/>
-                      <a:r>
                         <a:rPr lang="en-US" altLang="ko-KR" sz="1000" b="1" dirty="0" err="1" smtClean="0"/>
                         <a:t>consultingReserve</a:t>
                       </a:r>
                       <a:r>
                         <a:rPr lang="en-US" altLang="ko-KR" sz="1000" b="1" dirty="0" smtClean="0"/>
-                        <a:t> :</a:t>
+                        <a:t> </a:t>
+                      </a:r>
+                      <a:r>
+                        <a:rPr lang="en-US" altLang="ko-KR" sz="1000" b="1" dirty="0" smtClean="0"/>
+                        <a:t>:</a:t>
                       </a:r>
                       <a:r>
                         <a:rPr lang="en-US" altLang="ko-KR" sz="1000" b="1" dirty="0" err="1" smtClean="0"/>
@@ -3937,7 +3960,6 @@
                         <a:rPr lang="en-US" altLang="ko-KR" sz="1000" b="1" dirty="0" smtClean="0"/>
                         <a:t>]</a:t>
                       </a:r>
-                      <a:endParaRPr lang="en-US" altLang="ko-KR" sz="1000" b="1" dirty="0" smtClean="0"/>
                     </a:p>
                   </a:txBody>
                   <a:tcPr/>
@@ -3958,8 +3980,8 @@
         </p:nvCxnSpPr>
         <p:spPr>
           <a:xfrm flipV="1">
-            <a:off x="5748981" y="776197"/>
-            <a:ext cx="1202724" cy="437789"/>
+            <a:off x="5748981" y="736742"/>
+            <a:ext cx="1202724" cy="477244"/>
           </a:xfrm>
           <a:prstGeom prst="straightConnector1">
             <a:avLst/>
@@ -4056,14 +4078,14 @@
           <p:nvPr>
             <p:extLst>
               <p:ext uri="{D42A27DB-BD31-4B8C-83A1-F6EECF244321}">
-                <p14:modId xmlns:p14="http://schemas.microsoft.com/office/powerpoint/2010/main" val="1242747347"/>
+                <p14:modId xmlns:p14="http://schemas.microsoft.com/office/powerpoint/2010/main" val="2212957651"/>
               </p:ext>
             </p:extLst>
           </p:nvPr>
         </p:nvGraphicFramePr>
         <p:xfrm>
           <a:off x="1812324" y="5231727"/>
-          <a:ext cx="2611375" cy="1158240"/>
+          <a:ext cx="2611375" cy="1063030"/>
         </p:xfrm>
         <a:graphic>
           <a:graphicData uri="http://schemas.openxmlformats.org/drawingml/2006/table">
@@ -4141,40 +4163,25 @@
                     <a:p>
                       <a:pPr algn="l" latinLnBrk="1"/>
                       <a:r>
-                        <a:rPr lang="en-US" altLang="ko-KR" sz="1000" dirty="0" smtClean="0"/>
-                        <a:t>tile</a:t>
-                      </a:r>
-                      <a:r>
                         <a:rPr lang="en-US" altLang="ko-KR" sz="1000" baseline="0" dirty="0" smtClean="0"/>
-                        <a:t> : String [</a:t>
+                        <a:t>Contents : Contents [</a:t>
                       </a:r>
                       <a:r>
                         <a:rPr lang="ko-KR" altLang="en-US" sz="1000" baseline="0" dirty="0" smtClean="0"/>
-                        <a:t>문의제목</a:t>
+                        <a:t>제목</a:t>
+                      </a:r>
+                      <a:r>
+                        <a:rPr lang="en-US" altLang="ko-KR" sz="1000" baseline="0" dirty="0" smtClean="0"/>
+                        <a:t>, </a:t>
+                      </a:r>
+                      <a:r>
+                        <a:rPr lang="ko-KR" altLang="en-US" sz="1000" baseline="0" dirty="0" smtClean="0"/>
+                        <a:t>내용</a:t>
                       </a:r>
                       <a:r>
                         <a:rPr lang="en-US" altLang="ko-KR" sz="1000" baseline="0" dirty="0" smtClean="0"/>
                         <a:t>]</a:t>
                       </a:r>
-                    </a:p>
-                    <a:p>
-                      <a:pPr algn="l" latinLnBrk="1"/>
-                      <a:r>
-                        <a:rPr lang="en-US" altLang="ko-KR" sz="1000" baseline="0" dirty="0" smtClean="0"/>
-                        <a:t>content :String [</a:t>
-                      </a:r>
-                      <a:r>
-                        <a:rPr lang="ko-KR" altLang="en-US" sz="1000" baseline="0" dirty="0" smtClean="0"/>
-                        <a:t>문의내용</a:t>
-                      </a:r>
-                      <a:r>
-                        <a:rPr lang="en-US" altLang="ko-KR" sz="1000" baseline="0" dirty="0" smtClean="0"/>
-                        <a:t>]</a:t>
-                      </a:r>
-                      <a:endParaRPr lang="en-US" altLang="ko-KR" sz="1000" dirty="0" smtClean="0"/>
-                    </a:p>
-                    <a:p>
-                      <a:pPr algn="l" latinLnBrk="1"/>
                       <a:endParaRPr lang="en-US" altLang="ko-KR" sz="1000" dirty="0" smtClean="0"/>
                     </a:p>
                   </a:txBody>
@@ -4284,6 +4291,122 @@
           </a:p>
         </p:txBody>
       </p:sp>
+      <p:graphicFrame>
+        <p:nvGraphicFramePr>
+          <p:cNvPr id="19" name="표 18"/>
+          <p:cNvGraphicFramePr>
+            <a:graphicFrameLocks noGrp="1"/>
+          </p:cNvGraphicFramePr>
+          <p:nvPr>
+            <p:extLst>
+              <p:ext uri="{D42A27DB-BD31-4B8C-83A1-F6EECF244321}">
+                <p14:modId xmlns:p14="http://schemas.microsoft.com/office/powerpoint/2010/main" val="3081011100"/>
+              </p:ext>
+            </p:extLst>
+          </p:nvPr>
+        </p:nvGraphicFramePr>
+        <p:xfrm>
+          <a:off x="7724689" y="5142758"/>
+          <a:ext cx="2752811" cy="701040"/>
+        </p:xfrm>
+        <a:graphic>
+          <a:graphicData uri="http://schemas.openxmlformats.org/drawingml/2006/table">
+            <a:tbl>
+              <a:tblPr firstRow="1" bandRow="1">
+                <a:tableStyleId>{073A0DAA-6AF3-43AB-8588-CEC1D06C72B9}</a:tableStyleId>
+              </a:tblPr>
+              <a:tblGrid>
+                <a:gridCol w="2752811"/>
+              </a:tblGrid>
+              <a:tr h="215998">
+                <a:tc>
+                  <a:txBody>
+                    <a:bodyPr/>
+                    <a:lstStyle/>
+                    <a:p>
+                      <a:pPr algn="ctr" latinLnBrk="1"/>
+                      <a:r>
+                        <a:rPr lang="ko-KR" altLang="en-US" sz="1400" dirty="0" smtClean="0"/>
+                        <a:t>제목</a:t>
+                      </a:r>
+                      <a:r>
+                        <a:rPr lang="en-US" altLang="ko-KR" sz="1400" dirty="0" smtClean="0"/>
+                        <a:t>,</a:t>
+                      </a:r>
+                      <a:r>
+                        <a:rPr lang="ko-KR" altLang="en-US" sz="1400" dirty="0" smtClean="0"/>
+                        <a:t>내용</a:t>
+                      </a:r>
+                      <a:r>
+                        <a:rPr lang="en-US" altLang="ko-KR" sz="1400" dirty="0" smtClean="0"/>
+                        <a:t>(</a:t>
+                      </a:r>
+                      <a:r>
+                        <a:rPr lang="en-US" altLang="ko-KR" sz="1400" baseline="0" dirty="0" smtClean="0"/>
+                        <a:t>Contents</a:t>
+                      </a:r>
+                      <a:r>
+                        <a:rPr lang="en-US" altLang="ko-KR" sz="1400" dirty="0" smtClean="0"/>
+                        <a:t>) </a:t>
+                      </a:r>
+                      <a:r>
+                        <a:rPr lang="ko-KR" altLang="en-US" sz="1400" dirty="0" err="1" smtClean="0"/>
+                        <a:t>값타입</a:t>
+                      </a:r>
+                      <a:endParaRPr lang="ko-KR" altLang="en-US" sz="1400" dirty="0"/>
+                    </a:p>
+                  </a:txBody>
+                  <a:tcPr/>
+                </a:tc>
+              </a:tr>
+              <a:tr h="322255">
+                <a:tc>
+                  <a:txBody>
+                    <a:bodyPr/>
+                    <a:lstStyle/>
+                    <a:p>
+                      <a:pPr algn="l" latinLnBrk="1"/>
+                      <a:r>
+                        <a:rPr lang="en-US" altLang="ko-KR" sz="1000" dirty="0" smtClean="0"/>
+                        <a:t>tile</a:t>
+                      </a:r>
+                      <a:r>
+                        <a:rPr lang="en-US" altLang="ko-KR" sz="1000" baseline="0" dirty="0" smtClean="0"/>
+                        <a:t> : String [</a:t>
+                      </a:r>
+                      <a:r>
+                        <a:rPr lang="ko-KR" altLang="en-US" sz="1000" baseline="0" dirty="0" smtClean="0"/>
+                        <a:t>문의제목</a:t>
+                      </a:r>
+                      <a:r>
+                        <a:rPr lang="en-US" altLang="ko-KR" sz="1000" baseline="0" dirty="0" smtClean="0"/>
+                        <a:t>]</a:t>
+                      </a:r>
+                    </a:p>
+                    <a:p>
+                      <a:pPr algn="l" latinLnBrk="1"/>
+                      <a:r>
+                        <a:rPr lang="en-US" altLang="ko-KR" sz="1000" baseline="0" dirty="0" smtClean="0"/>
+                        <a:t>content :String [</a:t>
+                      </a:r>
+                      <a:r>
+                        <a:rPr lang="ko-KR" altLang="en-US" sz="1000" baseline="0" dirty="0" smtClean="0"/>
+                        <a:t>문의내용</a:t>
+                      </a:r>
+                      <a:r>
+                        <a:rPr lang="en-US" altLang="ko-KR" sz="1000" baseline="0" dirty="0" smtClean="0"/>
+                        <a:t>]</a:t>
+                      </a:r>
+                      <a:endParaRPr lang="en-US" altLang="ko-KR" sz="1000" dirty="0" smtClean="0"/>
+                    </a:p>
+                  </a:txBody>
+                  <a:tcPr/>
+                </a:tc>
+              </a:tr>
+            </a:tbl>
+          </a:graphicData>
+        </a:graphic>
+      </p:graphicFrame>
     </p:spTree>
     <p:extLst>
       <p:ext uri="{BB962C8B-B14F-4D97-AF65-F5344CB8AC3E}">

--- a/etc/DB_Info/테이블_설계_도식화.pptx
+++ b/etc/DB_Info/테이블_설계_도식화.pptx
@@ -243,7 +243,7 @@
           <a:p>
             <a:fld id="{94D56C30-93A1-46EA-857A-1263F9017F6C}" type="datetimeFigureOut">
               <a:rPr lang="ko-KR" altLang="en-US" smtClean="0"/>
-              <a:t>2021-12-14</a:t>
+              <a:t>2021-12-16</a:t>
             </a:fld>
             <a:endParaRPr lang="ko-KR" altLang="en-US"/>
           </a:p>
@@ -413,7 +413,7 @@
           <a:p>
             <a:fld id="{94D56C30-93A1-46EA-857A-1263F9017F6C}" type="datetimeFigureOut">
               <a:rPr lang="ko-KR" altLang="en-US" smtClean="0"/>
-              <a:t>2021-12-14</a:t>
+              <a:t>2021-12-16</a:t>
             </a:fld>
             <a:endParaRPr lang="ko-KR" altLang="en-US"/>
           </a:p>
@@ -593,7 +593,7 @@
           <a:p>
             <a:fld id="{94D56C30-93A1-46EA-857A-1263F9017F6C}" type="datetimeFigureOut">
               <a:rPr lang="ko-KR" altLang="en-US" smtClean="0"/>
-              <a:t>2021-12-14</a:t>
+              <a:t>2021-12-16</a:t>
             </a:fld>
             <a:endParaRPr lang="ko-KR" altLang="en-US"/>
           </a:p>
@@ -763,7 +763,7 @@
           <a:p>
             <a:fld id="{94D56C30-93A1-46EA-857A-1263F9017F6C}" type="datetimeFigureOut">
               <a:rPr lang="ko-KR" altLang="en-US" smtClean="0"/>
-              <a:t>2021-12-14</a:t>
+              <a:t>2021-12-16</a:t>
             </a:fld>
             <a:endParaRPr lang="ko-KR" altLang="en-US"/>
           </a:p>
@@ -1009,7 +1009,7 @@
           <a:p>
             <a:fld id="{94D56C30-93A1-46EA-857A-1263F9017F6C}" type="datetimeFigureOut">
               <a:rPr lang="ko-KR" altLang="en-US" smtClean="0"/>
-              <a:t>2021-12-14</a:t>
+              <a:t>2021-12-16</a:t>
             </a:fld>
             <a:endParaRPr lang="ko-KR" altLang="en-US"/>
           </a:p>
@@ -1241,7 +1241,7 @@
           <a:p>
             <a:fld id="{94D56C30-93A1-46EA-857A-1263F9017F6C}" type="datetimeFigureOut">
               <a:rPr lang="ko-KR" altLang="en-US" smtClean="0"/>
-              <a:t>2021-12-14</a:t>
+              <a:t>2021-12-16</a:t>
             </a:fld>
             <a:endParaRPr lang="ko-KR" altLang="en-US"/>
           </a:p>
@@ -1608,7 +1608,7 @@
           <a:p>
             <a:fld id="{94D56C30-93A1-46EA-857A-1263F9017F6C}" type="datetimeFigureOut">
               <a:rPr lang="ko-KR" altLang="en-US" smtClean="0"/>
-              <a:t>2021-12-14</a:t>
+              <a:t>2021-12-16</a:t>
             </a:fld>
             <a:endParaRPr lang="ko-KR" altLang="en-US"/>
           </a:p>
@@ -1726,7 +1726,7 @@
           <a:p>
             <a:fld id="{94D56C30-93A1-46EA-857A-1263F9017F6C}" type="datetimeFigureOut">
               <a:rPr lang="ko-KR" altLang="en-US" smtClean="0"/>
-              <a:t>2021-12-14</a:t>
+              <a:t>2021-12-16</a:t>
             </a:fld>
             <a:endParaRPr lang="ko-KR" altLang="en-US"/>
           </a:p>
@@ -1821,7 +1821,7 @@
           <a:p>
             <a:fld id="{94D56C30-93A1-46EA-857A-1263F9017F6C}" type="datetimeFigureOut">
               <a:rPr lang="ko-KR" altLang="en-US" smtClean="0"/>
-              <a:t>2021-12-14</a:t>
+              <a:t>2021-12-16</a:t>
             </a:fld>
             <a:endParaRPr lang="ko-KR" altLang="en-US"/>
           </a:p>
@@ -2098,7 +2098,7 @@
           <a:p>
             <a:fld id="{94D56C30-93A1-46EA-857A-1263F9017F6C}" type="datetimeFigureOut">
               <a:rPr lang="ko-KR" altLang="en-US" smtClean="0"/>
-              <a:t>2021-12-14</a:t>
+              <a:t>2021-12-16</a:t>
             </a:fld>
             <a:endParaRPr lang="ko-KR" altLang="en-US"/>
           </a:p>
@@ -2351,7 +2351,7 @@
           <a:p>
             <a:fld id="{94D56C30-93A1-46EA-857A-1263F9017F6C}" type="datetimeFigureOut">
               <a:rPr lang="ko-KR" altLang="en-US" smtClean="0"/>
-              <a:t>2021-12-14</a:t>
+              <a:t>2021-12-16</a:t>
             </a:fld>
             <a:endParaRPr lang="ko-KR" altLang="en-US"/>
           </a:p>
@@ -2564,7 +2564,7 @@
           <a:p>
             <a:fld id="{94D56C30-93A1-46EA-857A-1263F9017F6C}" type="datetimeFigureOut">
               <a:rPr lang="ko-KR" altLang="en-US" smtClean="0"/>
-              <a:t>2021-12-14</a:t>
+              <a:t>2021-12-16</a:t>
             </a:fld>
             <a:endParaRPr lang="ko-KR" altLang="en-US"/>
           </a:p>
@@ -2978,14 +2978,14 @@
           <p:nvPr>
             <p:extLst>
               <p:ext uri="{D42A27DB-BD31-4B8C-83A1-F6EECF244321}">
-                <p14:modId xmlns:p14="http://schemas.microsoft.com/office/powerpoint/2010/main" val="2722848233"/>
+                <p14:modId xmlns:p14="http://schemas.microsoft.com/office/powerpoint/2010/main" val="4001444099"/>
               </p:ext>
             </p:extLst>
           </p:nvPr>
         </p:nvGraphicFramePr>
         <p:xfrm>
           <a:off x="1730289" y="197077"/>
-          <a:ext cx="4018692" cy="2033818"/>
+          <a:ext cx="4018692" cy="2072640"/>
         </p:xfrm>
         <a:graphic>
           <a:graphicData uri="http://schemas.openxmlformats.org/drawingml/2006/table">
@@ -3233,6 +3233,34 @@
                         <a:rPr lang="en-US" altLang="ko-KR" sz="1000" b="1" baseline="0" dirty="0" smtClean="0"/>
                         <a:t>]</a:t>
                       </a:r>
+                    </a:p>
+                    <a:p>
+                      <a:pPr algn="l" latinLnBrk="1"/>
+                      <a:r>
+                        <a:rPr lang="en-US" altLang="ko-KR" sz="1000" b="1" dirty="0" err="1" smtClean="0"/>
+                        <a:t>consultingReview</a:t>
+                      </a:r>
+                      <a:r>
+                        <a:rPr lang="en-US" altLang="ko-KR" sz="1000" b="1" dirty="0" smtClean="0"/>
+                        <a:t> : </a:t>
+                      </a:r>
+                      <a:r>
+                        <a:rPr lang="en-US" altLang="ko-KR" sz="1000" b="1" dirty="0" err="1" smtClean="0"/>
+                        <a:t>ConsultingReview</a:t>
+                      </a:r>
+                      <a:r>
+                        <a:rPr lang="en-US" altLang="ko-KR" sz="1000" b="1" dirty="0" smtClean="0"/>
+                        <a:t>[</a:t>
+                      </a:r>
+                      <a:r>
+                        <a:rPr lang="ko-KR" altLang="en-US" sz="1000" b="1" dirty="0" smtClean="0"/>
+                        <a:t>상담후기</a:t>
+                      </a:r>
+                      <a:r>
+                        <a:rPr lang="en-US" altLang="ko-KR" sz="1000" b="1" dirty="0" smtClean="0"/>
+                        <a:t>]</a:t>
+                      </a:r>
+                      <a:endParaRPr lang="en-US" altLang="ko-KR" sz="1000" b="1" baseline="0" dirty="0" smtClean="0"/>
                     </a:p>
                     <a:p>
                       <a:pPr algn="l" latinLnBrk="1"/>
@@ -3419,14 +3447,14 @@
           <p:nvPr>
             <p:extLst>
               <p:ext uri="{D42A27DB-BD31-4B8C-83A1-F6EECF244321}">
-                <p14:modId xmlns:p14="http://schemas.microsoft.com/office/powerpoint/2010/main" val="2755149244"/>
+                <p14:modId xmlns:p14="http://schemas.microsoft.com/office/powerpoint/2010/main" val="4097834193"/>
               </p:ext>
             </p:extLst>
           </p:nvPr>
         </p:nvGraphicFramePr>
         <p:xfrm>
           <a:off x="1834726" y="3159087"/>
-          <a:ext cx="2594919" cy="1158240"/>
+          <a:ext cx="2594919" cy="1463040"/>
         </p:xfrm>
         <a:graphic>
           <a:graphicData uri="http://schemas.openxmlformats.org/drawingml/2006/table">
@@ -3530,6 +3558,29 @@
                         <a:rPr lang="en-US" altLang="ko-KR" sz="1000" baseline="0" dirty="0" smtClean="0"/>
                         <a:t>]</a:t>
                       </a:r>
+                    </a:p>
+                    <a:p>
+                      <a:pPr algn="l" latinLnBrk="1"/>
+                      <a:r>
+                        <a:rPr lang="en-US" altLang="ko-KR" sz="1000" b="1" dirty="0" err="1" smtClean="0"/>
+                        <a:t>consultingReserveList</a:t>
+                      </a:r>
+                      <a:r>
+                        <a:rPr lang="en-US" altLang="ko-KR" sz="1000" b="1" baseline="0" dirty="0" smtClean="0"/>
+                        <a:t> :List</a:t>
+                      </a:r>
+                    </a:p>
+                    <a:p>
+                      <a:pPr algn="l" latinLnBrk="1"/>
+                      <a:r>
+                        <a:rPr lang="en-US" altLang="ko-KR" sz="1000" b="1" dirty="0" err="1" smtClean="0"/>
+                        <a:t>questionList</a:t>
+                      </a:r>
+                      <a:r>
+                        <a:rPr lang="en-US" altLang="ko-KR" sz="1000" b="1" dirty="0" smtClean="0"/>
+                        <a:t> :List</a:t>
+                      </a:r>
+                      <a:endParaRPr lang="en-US" altLang="ko-KR" sz="1000" b="1" baseline="0" dirty="0" smtClean="0"/>
                     </a:p>
                     <a:p>
                       <a:pPr algn="l" latinLnBrk="1"/>
@@ -3664,17 +3715,653 @@
       </p:graphicFrame>
       <p:cxnSp>
         <p:nvCxnSpPr>
-          <p:cNvPr id="9" name="직선 화살표 연결선 8"/>
+          <p:cNvPr id="10" name="직선 화살표 연결선 9"/>
           <p:cNvCxnSpPr>
             <a:stCxn id="4" idx="2"/>
-            <a:endCxn id="6" idx="0"/>
+            <a:endCxn id="7" idx="0"/>
           </p:cNvCxnSpPr>
           <p:nvPr/>
         </p:nvCxnSpPr>
         <p:spPr>
-          <a:xfrm flipH="1">
-            <a:off x="3132185" y="2230895"/>
-            <a:ext cx="607450" cy="928192"/>
+          <a:xfrm>
+            <a:off x="3739635" y="2269717"/>
+            <a:ext cx="2092410" cy="889370"/>
+          </a:xfrm>
+          <a:prstGeom prst="straightConnector1">
+            <a:avLst/>
+          </a:prstGeom>
+          <a:ln w="57150">
+            <a:solidFill>
+              <a:schemeClr val="tx1"/>
+            </a:solidFill>
+            <a:tailEnd type="triangle"/>
+          </a:ln>
+        </p:spPr>
+        <p:style>
+          <a:lnRef idx="1">
+            <a:schemeClr val="accent1"/>
+          </a:lnRef>
+          <a:fillRef idx="0">
+            <a:schemeClr val="accent1"/>
+          </a:fillRef>
+          <a:effectRef idx="0">
+            <a:schemeClr val="accent1"/>
+          </a:effectRef>
+          <a:fontRef idx="minor">
+            <a:schemeClr val="tx1"/>
+          </a:fontRef>
+        </p:style>
+      </p:cxnSp>
+      <p:sp>
+        <p:nvSpPr>
+          <p:cNvPr id="13" name="TextBox 12"/>
+          <p:cNvSpPr txBox="1"/>
+          <p:nvPr/>
+        </p:nvSpPr>
+        <p:spPr>
+          <a:xfrm>
+            <a:off x="3187284" y="2208508"/>
+            <a:ext cx="360996" cy="369332"/>
+          </a:xfrm>
+          <a:prstGeom prst="rect">
+            <a:avLst/>
+          </a:prstGeom>
+          <a:noFill/>
+        </p:spPr>
+        <p:txBody>
+          <a:bodyPr wrap="none" rtlCol="0">
+            <a:spAutoFit/>
+          </a:bodyPr>
+          <a:lstStyle/>
+          <a:p>
+            <a:r>
+              <a:rPr lang="en-US" altLang="ko-KR" dirty="0"/>
+              <a:t>N</a:t>
+            </a:r>
+            <a:endParaRPr lang="ko-KR" altLang="en-US" dirty="0"/>
+          </a:p>
+        </p:txBody>
+      </p:sp>
+      <p:sp>
+        <p:nvSpPr>
+          <p:cNvPr id="14" name="TextBox 13"/>
+          <p:cNvSpPr txBox="1"/>
+          <p:nvPr/>
+        </p:nvSpPr>
+        <p:spPr>
+          <a:xfrm>
+            <a:off x="2781526" y="2759729"/>
+            <a:ext cx="311304" cy="369332"/>
+          </a:xfrm>
+          <a:prstGeom prst="rect">
+            <a:avLst/>
+          </a:prstGeom>
+          <a:noFill/>
+        </p:spPr>
+        <p:txBody>
+          <a:bodyPr wrap="none" rtlCol="0">
+            <a:spAutoFit/>
+          </a:bodyPr>
+          <a:lstStyle/>
+          <a:p>
+            <a:r>
+              <a:rPr lang="en-US" altLang="ko-KR" dirty="0" smtClean="0"/>
+              <a:t>1</a:t>
+            </a:r>
+            <a:endParaRPr lang="ko-KR" altLang="en-US" dirty="0"/>
+          </a:p>
+        </p:txBody>
+      </p:sp>
+      <p:sp>
+        <p:nvSpPr>
+          <p:cNvPr id="15" name="TextBox 14"/>
+          <p:cNvSpPr txBox="1"/>
+          <p:nvPr/>
+        </p:nvSpPr>
+        <p:spPr>
+          <a:xfrm>
+            <a:off x="5008532" y="2862920"/>
+            <a:ext cx="311304" cy="369332"/>
+          </a:xfrm>
+          <a:prstGeom prst="rect">
+            <a:avLst/>
+          </a:prstGeom>
+          <a:noFill/>
+        </p:spPr>
+        <p:txBody>
+          <a:bodyPr wrap="none" rtlCol="0">
+            <a:spAutoFit/>
+          </a:bodyPr>
+          <a:lstStyle/>
+          <a:p>
+            <a:r>
+              <a:rPr lang="en-US" altLang="ko-KR" dirty="0" smtClean="0"/>
+              <a:t>1</a:t>
+            </a:r>
+            <a:endParaRPr lang="ko-KR" altLang="en-US" dirty="0"/>
+          </a:p>
+        </p:txBody>
+      </p:sp>
+      <p:graphicFrame>
+        <p:nvGraphicFramePr>
+          <p:cNvPr id="25" name="표 24"/>
+          <p:cNvGraphicFramePr>
+            <a:graphicFrameLocks noGrp="1"/>
+          </p:cNvGraphicFramePr>
+          <p:nvPr>
+            <p:extLst>
+              <p:ext uri="{D42A27DB-BD31-4B8C-83A1-F6EECF244321}">
+                <p14:modId xmlns:p14="http://schemas.microsoft.com/office/powerpoint/2010/main" val="1818858589"/>
+              </p:ext>
+            </p:extLst>
+          </p:nvPr>
+        </p:nvGraphicFramePr>
+        <p:xfrm>
+          <a:off x="6951705" y="197077"/>
+          <a:ext cx="3222025" cy="920048"/>
+        </p:xfrm>
+        <a:graphic>
+          <a:graphicData uri="http://schemas.openxmlformats.org/drawingml/2006/table">
+            <a:tbl>
+              <a:tblPr firstRow="1" bandRow="1">
+                <a:tableStyleId>{073A0DAA-6AF3-43AB-8588-CEC1D06C72B9}</a:tableStyleId>
+              </a:tblPr>
+              <a:tblGrid>
+                <a:gridCol w="3222025"/>
+              </a:tblGrid>
+              <a:tr h="242118">
+                <a:tc>
+                  <a:txBody>
+                    <a:bodyPr/>
+                    <a:lstStyle/>
+                    <a:p>
+                      <a:pPr algn="ctr" latinLnBrk="1"/>
+                      <a:r>
+                        <a:rPr lang="ko-KR" altLang="en-US" sz="1400" dirty="0" smtClean="0"/>
+                        <a:t>상담후기</a:t>
+                      </a:r>
+                      <a:r>
+                        <a:rPr lang="en-US" altLang="ko-KR" sz="1400" dirty="0" smtClean="0"/>
+                        <a:t>(</a:t>
+                      </a:r>
+                      <a:r>
+                        <a:rPr lang="en-US" altLang="ko-KR" sz="1400" dirty="0" err="1" smtClean="0"/>
+                        <a:t>ConsultingReview</a:t>
+                      </a:r>
+                      <a:r>
+                        <a:rPr lang="en-US" altLang="ko-KR" sz="1400" dirty="0" smtClean="0"/>
+                        <a:t>)</a:t>
+                      </a:r>
+                      <a:endParaRPr lang="ko-KR" altLang="en-US" sz="1400" dirty="0"/>
+                    </a:p>
+                  </a:txBody>
+                  <a:tcPr/>
+                </a:tc>
+              </a:tr>
+              <a:tr h="615248">
+                <a:tc>
+                  <a:txBody>
+                    <a:bodyPr/>
+                    <a:lstStyle/>
+                    <a:p>
+                      <a:pPr algn="l" latinLnBrk="1"/>
+                      <a:r>
+                        <a:rPr lang="en-US" altLang="ko-KR" sz="1000" dirty="0" smtClean="0"/>
+                        <a:t>id : Long [</a:t>
+                      </a:r>
+                      <a:r>
+                        <a:rPr lang="ko-KR" altLang="en-US" sz="1000" dirty="0" err="1" smtClean="0"/>
+                        <a:t>기본키</a:t>
+                      </a:r>
+                      <a:r>
+                        <a:rPr lang="en-US" altLang="ko-KR" sz="1000" dirty="0" smtClean="0"/>
+                        <a:t>ID]</a:t>
+                      </a:r>
+                    </a:p>
+                    <a:p>
+                      <a:pPr algn="l" latinLnBrk="1"/>
+                      <a:r>
+                        <a:rPr lang="en-US" altLang="ko-KR" sz="1000" baseline="0" dirty="0" smtClean="0"/>
+                        <a:t>Contents : Contents [</a:t>
+                      </a:r>
+                      <a:r>
+                        <a:rPr lang="ko-KR" altLang="en-US" sz="1000" baseline="0" dirty="0" smtClean="0"/>
+                        <a:t>제목</a:t>
+                      </a:r>
+                      <a:r>
+                        <a:rPr lang="en-US" altLang="ko-KR" sz="1000" baseline="0" dirty="0" smtClean="0"/>
+                        <a:t>, </a:t>
+                      </a:r>
+                      <a:r>
+                        <a:rPr lang="ko-KR" altLang="en-US" sz="1000" baseline="0" dirty="0" smtClean="0"/>
+                        <a:t>내용</a:t>
+                      </a:r>
+                      <a:r>
+                        <a:rPr lang="en-US" altLang="ko-KR" sz="1000" baseline="0" dirty="0" smtClean="0"/>
+                        <a:t>]</a:t>
+                      </a:r>
+                      <a:endParaRPr lang="en-US" altLang="ko-KR" sz="1000" dirty="0" smtClean="0"/>
+                    </a:p>
+                  </a:txBody>
+                  <a:tcPr/>
+                </a:tc>
+              </a:tr>
+            </a:tbl>
+          </a:graphicData>
+        </a:graphic>
+      </p:graphicFrame>
+      <p:sp>
+        <p:nvSpPr>
+          <p:cNvPr id="35" name="TextBox 34"/>
+          <p:cNvSpPr txBox="1"/>
+          <p:nvPr/>
+        </p:nvSpPr>
+        <p:spPr>
+          <a:xfrm>
+            <a:off x="5748981" y="1307182"/>
+            <a:ext cx="311304" cy="369332"/>
+          </a:xfrm>
+          <a:prstGeom prst="rect">
+            <a:avLst/>
+          </a:prstGeom>
+          <a:noFill/>
+        </p:spPr>
+        <p:txBody>
+          <a:bodyPr wrap="none" rtlCol="0">
+            <a:spAutoFit/>
+          </a:bodyPr>
+          <a:lstStyle/>
+          <a:p>
+            <a:r>
+              <a:rPr lang="en-US" altLang="ko-KR" dirty="0" smtClean="0"/>
+              <a:t>1</a:t>
+            </a:r>
+            <a:endParaRPr lang="ko-KR" altLang="en-US" dirty="0"/>
+          </a:p>
+        </p:txBody>
+      </p:sp>
+      <p:sp>
+        <p:nvSpPr>
+          <p:cNvPr id="36" name="TextBox 35"/>
+          <p:cNvSpPr txBox="1"/>
+          <p:nvPr/>
+        </p:nvSpPr>
+        <p:spPr>
+          <a:xfrm>
+            <a:off x="6656344" y="985069"/>
+            <a:ext cx="311304" cy="369332"/>
+          </a:xfrm>
+          <a:prstGeom prst="rect">
+            <a:avLst/>
+          </a:prstGeom>
+          <a:noFill/>
+        </p:spPr>
+        <p:txBody>
+          <a:bodyPr wrap="none" rtlCol="0">
+            <a:spAutoFit/>
+          </a:bodyPr>
+          <a:lstStyle/>
+          <a:p>
+            <a:r>
+              <a:rPr lang="en-US" altLang="ko-KR" dirty="0" smtClean="0"/>
+              <a:t>1</a:t>
+            </a:r>
+            <a:endParaRPr lang="ko-KR" altLang="en-US" dirty="0"/>
+          </a:p>
+        </p:txBody>
+      </p:sp>
+      <p:graphicFrame>
+        <p:nvGraphicFramePr>
+          <p:cNvPr id="37" name="표 36"/>
+          <p:cNvGraphicFramePr>
+            <a:graphicFrameLocks noGrp="1"/>
+          </p:cNvGraphicFramePr>
+          <p:nvPr>
+            <p:extLst>
+              <p:ext uri="{D42A27DB-BD31-4B8C-83A1-F6EECF244321}">
+                <p14:modId xmlns:p14="http://schemas.microsoft.com/office/powerpoint/2010/main" val="2212957651"/>
+              </p:ext>
+            </p:extLst>
+          </p:nvPr>
+        </p:nvGraphicFramePr>
+        <p:xfrm>
+          <a:off x="1812324" y="5231727"/>
+          <a:ext cx="2611375" cy="1063030"/>
+        </p:xfrm>
+        <a:graphic>
+          <a:graphicData uri="http://schemas.openxmlformats.org/drawingml/2006/table">
+            <a:tbl>
+              <a:tblPr firstRow="1" bandRow="1">
+                <a:tableStyleId>{073A0DAA-6AF3-43AB-8588-CEC1D06C72B9}</a:tableStyleId>
+              </a:tblPr>
+              <a:tblGrid>
+                <a:gridCol w="2611375"/>
+              </a:tblGrid>
+              <a:tr h="153010">
+                <a:tc>
+                  <a:txBody>
+                    <a:bodyPr/>
+                    <a:lstStyle/>
+                    <a:p>
+                      <a:pPr algn="ctr" latinLnBrk="1"/>
+                      <a:r>
+                        <a:rPr lang="ko-KR" altLang="en-US" sz="1400" dirty="0" smtClean="0"/>
+                        <a:t>문의</a:t>
+                      </a:r>
+                      <a:r>
+                        <a:rPr lang="en-US" altLang="ko-KR" sz="1400" dirty="0" smtClean="0"/>
+                        <a:t>(Question)</a:t>
+                      </a:r>
+                      <a:endParaRPr lang="ko-KR" altLang="en-US" sz="1400" dirty="0"/>
+                    </a:p>
+                  </a:txBody>
+                  <a:tcPr/>
+                </a:tc>
+              </a:tr>
+              <a:tr h="758230">
+                <a:tc>
+                  <a:txBody>
+                    <a:bodyPr/>
+                    <a:lstStyle/>
+                    <a:p>
+                      <a:pPr algn="l" latinLnBrk="1"/>
+                      <a:r>
+                        <a:rPr lang="en-US" altLang="ko-KR" sz="1000" dirty="0" smtClean="0"/>
+                        <a:t>id : Long [</a:t>
+                      </a:r>
+                      <a:r>
+                        <a:rPr lang="ko-KR" altLang="en-US" sz="1000" dirty="0" err="1" smtClean="0"/>
+                        <a:t>기본키</a:t>
+                      </a:r>
+                      <a:r>
+                        <a:rPr lang="en-US" altLang="ko-KR" sz="1000" dirty="0" smtClean="0"/>
+                        <a:t>ID]</a:t>
+                      </a:r>
+                    </a:p>
+                    <a:p>
+                      <a:pPr algn="l" latinLnBrk="1"/>
+                      <a:r>
+                        <a:rPr lang="en-US" altLang="ko-KR" sz="1000" b="1" dirty="0" smtClean="0"/>
+                        <a:t>customer :Customer [</a:t>
+                      </a:r>
+                      <a:r>
+                        <a:rPr lang="ko-KR" altLang="en-US" sz="1000" b="1" dirty="0" smtClean="0"/>
+                        <a:t>예약자 </a:t>
+                      </a:r>
+                      <a:r>
+                        <a:rPr lang="en-US" altLang="ko-KR" sz="1000" b="1" dirty="0" smtClean="0"/>
+                        <a:t>, </a:t>
+                      </a:r>
+                      <a:r>
+                        <a:rPr lang="ko-KR" altLang="en-US" sz="1000" b="1" dirty="0" smtClean="0"/>
+                        <a:t>고객</a:t>
+                      </a:r>
+                      <a:r>
+                        <a:rPr lang="en-US" altLang="ko-KR" sz="1000" b="1" dirty="0" smtClean="0"/>
+                        <a:t>]</a:t>
+                      </a:r>
+                    </a:p>
+                    <a:p>
+                      <a:pPr algn="l" latinLnBrk="1"/>
+                      <a:r>
+                        <a:rPr lang="en-US" altLang="ko-KR" sz="1000" baseline="0" dirty="0" smtClean="0"/>
+                        <a:t>Contents : Contents [</a:t>
+                      </a:r>
+                      <a:r>
+                        <a:rPr lang="ko-KR" altLang="en-US" sz="1000" baseline="0" dirty="0" smtClean="0"/>
+                        <a:t>제목</a:t>
+                      </a:r>
+                      <a:r>
+                        <a:rPr lang="en-US" altLang="ko-KR" sz="1000" baseline="0" dirty="0" smtClean="0"/>
+                        <a:t>, </a:t>
+                      </a:r>
+                      <a:r>
+                        <a:rPr lang="ko-KR" altLang="en-US" sz="1000" baseline="0" dirty="0" smtClean="0"/>
+                        <a:t>내용</a:t>
+                      </a:r>
+                      <a:r>
+                        <a:rPr lang="en-US" altLang="ko-KR" sz="1000" baseline="0" dirty="0" smtClean="0"/>
+                        <a:t>]</a:t>
+                      </a:r>
+                      <a:endParaRPr lang="en-US" altLang="ko-KR" sz="1000" dirty="0" smtClean="0"/>
+                    </a:p>
+                  </a:txBody>
+                  <a:tcPr/>
+                </a:tc>
+              </a:tr>
+            </a:tbl>
+          </a:graphicData>
+        </a:graphic>
+      </p:graphicFrame>
+      <p:sp>
+        <p:nvSpPr>
+          <p:cNvPr id="43" name="TextBox 42"/>
+          <p:cNvSpPr txBox="1"/>
+          <p:nvPr/>
+        </p:nvSpPr>
+        <p:spPr>
+          <a:xfrm>
+            <a:off x="2731834" y="4923987"/>
+            <a:ext cx="360996" cy="369332"/>
+          </a:xfrm>
+          <a:prstGeom prst="rect">
+            <a:avLst/>
+          </a:prstGeom>
+          <a:noFill/>
+        </p:spPr>
+        <p:txBody>
+          <a:bodyPr wrap="none" rtlCol="0">
+            <a:spAutoFit/>
+          </a:bodyPr>
+          <a:lstStyle/>
+          <a:p>
+            <a:r>
+              <a:rPr lang="en-US" altLang="ko-KR" dirty="0"/>
+              <a:t>N</a:t>
+            </a:r>
+            <a:endParaRPr lang="ko-KR" altLang="en-US" dirty="0"/>
+          </a:p>
+        </p:txBody>
+      </p:sp>
+      <p:sp>
+        <p:nvSpPr>
+          <p:cNvPr id="44" name="TextBox 43"/>
+          <p:cNvSpPr txBox="1"/>
+          <p:nvPr/>
+        </p:nvSpPr>
+        <p:spPr>
+          <a:xfrm>
+            <a:off x="2731834" y="4554655"/>
+            <a:ext cx="311304" cy="369332"/>
+          </a:xfrm>
+          <a:prstGeom prst="rect">
+            <a:avLst/>
+          </a:prstGeom>
+          <a:noFill/>
+        </p:spPr>
+        <p:txBody>
+          <a:bodyPr wrap="none" rtlCol="0">
+            <a:spAutoFit/>
+          </a:bodyPr>
+          <a:lstStyle/>
+          <a:p>
+            <a:r>
+              <a:rPr lang="en-US" altLang="ko-KR" dirty="0" smtClean="0"/>
+              <a:t>1</a:t>
+            </a:r>
+            <a:endParaRPr lang="ko-KR" altLang="en-US" dirty="0"/>
+          </a:p>
+        </p:txBody>
+      </p:sp>
+      <p:graphicFrame>
+        <p:nvGraphicFramePr>
+          <p:cNvPr id="19" name="표 18"/>
+          <p:cNvGraphicFramePr>
+            <a:graphicFrameLocks noGrp="1"/>
+          </p:cNvGraphicFramePr>
+          <p:nvPr>
+            <p:extLst>
+              <p:ext uri="{D42A27DB-BD31-4B8C-83A1-F6EECF244321}">
+                <p14:modId xmlns:p14="http://schemas.microsoft.com/office/powerpoint/2010/main" val="3081011100"/>
+              </p:ext>
+            </p:extLst>
+          </p:nvPr>
+        </p:nvGraphicFramePr>
+        <p:xfrm>
+          <a:off x="7724689" y="5142758"/>
+          <a:ext cx="2752811" cy="701040"/>
+        </p:xfrm>
+        <a:graphic>
+          <a:graphicData uri="http://schemas.openxmlformats.org/drawingml/2006/table">
+            <a:tbl>
+              <a:tblPr firstRow="1" bandRow="1">
+                <a:tableStyleId>{073A0DAA-6AF3-43AB-8588-CEC1D06C72B9}</a:tableStyleId>
+              </a:tblPr>
+              <a:tblGrid>
+                <a:gridCol w="2752811"/>
+              </a:tblGrid>
+              <a:tr h="215998">
+                <a:tc>
+                  <a:txBody>
+                    <a:bodyPr/>
+                    <a:lstStyle/>
+                    <a:p>
+                      <a:pPr algn="ctr" latinLnBrk="1"/>
+                      <a:r>
+                        <a:rPr lang="ko-KR" altLang="en-US" sz="1400" dirty="0" smtClean="0"/>
+                        <a:t>제목</a:t>
+                      </a:r>
+                      <a:r>
+                        <a:rPr lang="en-US" altLang="ko-KR" sz="1400" dirty="0" smtClean="0"/>
+                        <a:t>,</a:t>
+                      </a:r>
+                      <a:r>
+                        <a:rPr lang="ko-KR" altLang="en-US" sz="1400" dirty="0" smtClean="0"/>
+                        <a:t>내용</a:t>
+                      </a:r>
+                      <a:r>
+                        <a:rPr lang="en-US" altLang="ko-KR" sz="1400" dirty="0" smtClean="0"/>
+                        <a:t>(</a:t>
+                      </a:r>
+                      <a:r>
+                        <a:rPr lang="en-US" altLang="ko-KR" sz="1400" baseline="0" dirty="0" smtClean="0"/>
+                        <a:t>Contents</a:t>
+                      </a:r>
+                      <a:r>
+                        <a:rPr lang="en-US" altLang="ko-KR" sz="1400" dirty="0" smtClean="0"/>
+                        <a:t>) </a:t>
+                      </a:r>
+                      <a:r>
+                        <a:rPr lang="ko-KR" altLang="en-US" sz="1400" dirty="0" err="1" smtClean="0"/>
+                        <a:t>값타입</a:t>
+                      </a:r>
+                      <a:endParaRPr lang="ko-KR" altLang="en-US" sz="1400" dirty="0"/>
+                    </a:p>
+                  </a:txBody>
+                  <a:tcPr/>
+                </a:tc>
+              </a:tr>
+              <a:tr h="322255">
+                <a:tc>
+                  <a:txBody>
+                    <a:bodyPr/>
+                    <a:lstStyle/>
+                    <a:p>
+                      <a:pPr algn="l" latinLnBrk="1"/>
+                      <a:r>
+                        <a:rPr lang="en-US" altLang="ko-KR" sz="1000" dirty="0" smtClean="0"/>
+                        <a:t>tile</a:t>
+                      </a:r>
+                      <a:r>
+                        <a:rPr lang="en-US" altLang="ko-KR" sz="1000" baseline="0" dirty="0" smtClean="0"/>
+                        <a:t> : String [</a:t>
+                      </a:r>
+                      <a:r>
+                        <a:rPr lang="ko-KR" altLang="en-US" sz="1000" baseline="0" dirty="0" smtClean="0"/>
+                        <a:t>문의제목</a:t>
+                      </a:r>
+                      <a:r>
+                        <a:rPr lang="en-US" altLang="ko-KR" sz="1000" baseline="0" dirty="0" smtClean="0"/>
+                        <a:t>]</a:t>
+                      </a:r>
+                    </a:p>
+                    <a:p>
+                      <a:pPr algn="l" latinLnBrk="1"/>
+                      <a:r>
+                        <a:rPr lang="en-US" altLang="ko-KR" sz="1000" baseline="0" dirty="0" smtClean="0"/>
+                        <a:t>content :String [</a:t>
+                      </a:r>
+                      <a:r>
+                        <a:rPr lang="ko-KR" altLang="en-US" sz="1000" baseline="0" dirty="0" smtClean="0"/>
+                        <a:t>문의내용</a:t>
+                      </a:r>
+                      <a:r>
+                        <a:rPr lang="en-US" altLang="ko-KR" sz="1000" baseline="0" dirty="0" smtClean="0"/>
+                        <a:t>]</a:t>
+                      </a:r>
+                      <a:endParaRPr lang="en-US" altLang="ko-KR" sz="1000" dirty="0" smtClean="0"/>
+                    </a:p>
+                  </a:txBody>
+                  <a:tcPr/>
+                </a:tc>
+              </a:tr>
+            </a:tbl>
+          </a:graphicData>
+        </a:graphic>
+      </p:graphicFrame>
+      <p:cxnSp>
+        <p:nvCxnSpPr>
+          <p:cNvPr id="23" name="직선 화살표 연결선 22"/>
+          <p:cNvCxnSpPr>
+            <a:stCxn id="6" idx="0"/>
+            <a:endCxn id="4" idx="2"/>
+          </p:cNvCxnSpPr>
+          <p:nvPr/>
+        </p:nvCxnSpPr>
+        <p:spPr>
+          <a:xfrm flipV="1">
+            <a:off x="3132185" y="2269717"/>
+            <a:ext cx="607450" cy="889370"/>
+          </a:xfrm>
+          <a:prstGeom prst="straightConnector1">
+            <a:avLst/>
+          </a:prstGeom>
+          <a:ln w="57150">
+            <a:solidFill>
+              <a:schemeClr val="tx1"/>
+            </a:solidFill>
+            <a:headEnd type="triangle"/>
+            <a:tailEnd type="triangle"/>
+          </a:ln>
+        </p:spPr>
+        <p:style>
+          <a:lnRef idx="1">
+            <a:schemeClr val="accent1"/>
+          </a:lnRef>
+          <a:fillRef idx="0">
+            <a:schemeClr val="accent1"/>
+          </a:fillRef>
+          <a:effectRef idx="0">
+            <a:schemeClr val="accent1"/>
+          </a:effectRef>
+          <a:fontRef idx="minor">
+            <a:schemeClr val="tx1"/>
+          </a:fontRef>
+        </p:style>
+      </p:cxnSp>
+      <p:cxnSp>
+        <p:nvCxnSpPr>
+          <p:cNvPr id="24" name="직선 화살표 연결선 23"/>
+          <p:cNvCxnSpPr>
+            <a:stCxn id="4" idx="3"/>
+            <a:endCxn id="25" idx="1"/>
+          </p:cNvCxnSpPr>
+          <p:nvPr/>
+        </p:nvCxnSpPr>
+        <p:spPr>
+          <a:xfrm flipV="1">
+            <a:off x="5748981" y="657101"/>
+            <a:ext cx="1202724" cy="576296"/>
           </a:xfrm>
           <a:prstGeom prst="straightConnector1">
             <a:avLst/>
@@ -3703,285 +4390,17 @@
       </p:cxnSp>
       <p:cxnSp>
         <p:nvCxnSpPr>
-          <p:cNvPr id="10" name="직선 화살표 연결선 9"/>
+          <p:cNvPr id="29" name="직선 화살표 연결선 28"/>
           <p:cNvCxnSpPr>
-            <a:stCxn id="4" idx="2"/>
-            <a:endCxn id="7" idx="0"/>
-          </p:cNvCxnSpPr>
-          <p:nvPr/>
-        </p:nvCxnSpPr>
-        <p:spPr>
-          <a:xfrm>
-            <a:off x="3739635" y="2230895"/>
-            <a:ext cx="2092410" cy="928192"/>
-          </a:xfrm>
-          <a:prstGeom prst="straightConnector1">
-            <a:avLst/>
-          </a:prstGeom>
-          <a:ln w="57150">
-            <a:solidFill>
-              <a:schemeClr val="tx1"/>
-            </a:solidFill>
-            <a:tailEnd type="triangle"/>
-          </a:ln>
-        </p:spPr>
-        <p:style>
-          <a:lnRef idx="1">
-            <a:schemeClr val="accent1"/>
-          </a:lnRef>
-          <a:fillRef idx="0">
-            <a:schemeClr val="accent1"/>
-          </a:fillRef>
-          <a:effectRef idx="0">
-            <a:schemeClr val="accent1"/>
-          </a:effectRef>
-          <a:fontRef idx="minor">
-            <a:schemeClr val="tx1"/>
-          </a:fontRef>
-        </p:style>
-      </p:cxnSp>
-      <p:sp>
-        <p:nvSpPr>
-          <p:cNvPr id="13" name="TextBox 12"/>
-          <p:cNvSpPr txBox="1"/>
-          <p:nvPr/>
-        </p:nvSpPr>
-        <p:spPr>
-          <a:xfrm>
-            <a:off x="3187284" y="2208508"/>
-            <a:ext cx="360996" cy="369332"/>
-          </a:xfrm>
-          <a:prstGeom prst="rect">
-            <a:avLst/>
-          </a:prstGeom>
-          <a:noFill/>
-        </p:spPr>
-        <p:txBody>
-          <a:bodyPr wrap="none" rtlCol="0">
-            <a:spAutoFit/>
-          </a:bodyPr>
-          <a:lstStyle/>
-          <a:p>
-            <a:r>
-              <a:rPr lang="en-US" altLang="ko-KR" dirty="0"/>
-              <a:t>N</a:t>
-            </a:r>
-            <a:endParaRPr lang="ko-KR" altLang="en-US" dirty="0"/>
-          </a:p>
-        </p:txBody>
-      </p:sp>
-      <p:sp>
-        <p:nvSpPr>
-          <p:cNvPr id="14" name="TextBox 13"/>
-          <p:cNvSpPr txBox="1"/>
-          <p:nvPr/>
-        </p:nvSpPr>
-        <p:spPr>
-          <a:xfrm>
-            <a:off x="2781526" y="2759729"/>
-            <a:ext cx="311304" cy="369332"/>
-          </a:xfrm>
-          <a:prstGeom prst="rect">
-            <a:avLst/>
-          </a:prstGeom>
-          <a:noFill/>
-        </p:spPr>
-        <p:txBody>
-          <a:bodyPr wrap="none" rtlCol="0">
-            <a:spAutoFit/>
-          </a:bodyPr>
-          <a:lstStyle/>
-          <a:p>
-            <a:r>
-              <a:rPr lang="en-US" altLang="ko-KR" dirty="0" smtClean="0"/>
-              <a:t>1</a:t>
-            </a:r>
-            <a:endParaRPr lang="ko-KR" altLang="en-US" dirty="0"/>
-          </a:p>
-        </p:txBody>
-      </p:sp>
-      <p:sp>
-        <p:nvSpPr>
-          <p:cNvPr id="15" name="TextBox 14"/>
-          <p:cNvSpPr txBox="1"/>
-          <p:nvPr/>
-        </p:nvSpPr>
-        <p:spPr>
-          <a:xfrm>
-            <a:off x="5008532" y="2862920"/>
-            <a:ext cx="311304" cy="369332"/>
-          </a:xfrm>
-          <a:prstGeom prst="rect">
-            <a:avLst/>
-          </a:prstGeom>
-          <a:noFill/>
-        </p:spPr>
-        <p:txBody>
-          <a:bodyPr wrap="none" rtlCol="0">
-            <a:spAutoFit/>
-          </a:bodyPr>
-          <a:lstStyle/>
-          <a:p>
-            <a:r>
-              <a:rPr lang="en-US" altLang="ko-KR" dirty="0" smtClean="0"/>
-              <a:t>1</a:t>
-            </a:r>
-            <a:endParaRPr lang="ko-KR" altLang="en-US" dirty="0"/>
-          </a:p>
-        </p:txBody>
-      </p:sp>
-      <p:graphicFrame>
-        <p:nvGraphicFramePr>
-          <p:cNvPr id="25" name="표 24"/>
-          <p:cNvGraphicFramePr>
-            <a:graphicFrameLocks noGrp="1"/>
-          </p:cNvGraphicFramePr>
-          <p:nvPr>
-            <p:extLst>
-              <p:ext uri="{D42A27DB-BD31-4B8C-83A1-F6EECF244321}">
-                <p14:modId xmlns:p14="http://schemas.microsoft.com/office/powerpoint/2010/main" val="618674371"/>
-              </p:ext>
-            </p:extLst>
-          </p:nvPr>
-        </p:nvGraphicFramePr>
-        <p:xfrm>
-          <a:off x="6951705" y="197077"/>
-          <a:ext cx="3222025" cy="1079330"/>
-        </p:xfrm>
-        <a:graphic>
-          <a:graphicData uri="http://schemas.openxmlformats.org/drawingml/2006/table">
-            <a:tbl>
-              <a:tblPr firstRow="1" bandRow="1">
-                <a:tableStyleId>{073A0DAA-6AF3-43AB-8588-CEC1D06C72B9}</a:tableStyleId>
-              </a:tblPr>
-              <a:tblGrid>
-                <a:gridCol w="3222025"/>
-              </a:tblGrid>
-              <a:tr h="224982">
-                <a:tc>
-                  <a:txBody>
-                    <a:bodyPr/>
-                    <a:lstStyle/>
-                    <a:p>
-                      <a:pPr algn="ctr" latinLnBrk="1"/>
-                      <a:r>
-                        <a:rPr lang="ko-KR" altLang="en-US" sz="1400" dirty="0" smtClean="0"/>
-                        <a:t>상담후기</a:t>
-                      </a:r>
-                      <a:r>
-                        <a:rPr lang="en-US" altLang="ko-KR" sz="1400" dirty="0" smtClean="0"/>
-                        <a:t>(</a:t>
-                      </a:r>
-                      <a:r>
-                        <a:rPr lang="en-US" altLang="ko-KR" sz="1400" dirty="0" err="1" smtClean="0"/>
-                        <a:t>ConsultingReview</a:t>
-                      </a:r>
-                      <a:r>
-                        <a:rPr lang="en-US" altLang="ko-KR" sz="1400" dirty="0" smtClean="0"/>
-                        <a:t>)</a:t>
-                      </a:r>
-                      <a:endParaRPr lang="ko-KR" altLang="en-US" sz="1400" dirty="0"/>
-                    </a:p>
-                  </a:txBody>
-                  <a:tcPr/>
-                </a:tc>
-              </a:tr>
-              <a:tr h="774530">
-                <a:tc>
-                  <a:txBody>
-                    <a:bodyPr/>
-                    <a:lstStyle/>
-                    <a:p>
-                      <a:pPr algn="l" latinLnBrk="1"/>
-                      <a:r>
-                        <a:rPr lang="en-US" altLang="ko-KR" sz="1000" dirty="0" smtClean="0"/>
-                        <a:t>id : Long [</a:t>
-                      </a:r>
-                      <a:r>
-                        <a:rPr lang="ko-KR" altLang="en-US" sz="1000" dirty="0" err="1" smtClean="0"/>
-                        <a:t>기본키</a:t>
-                      </a:r>
-                      <a:r>
-                        <a:rPr lang="en-US" altLang="ko-KR" sz="1000" dirty="0" smtClean="0"/>
-                        <a:t>ID]</a:t>
-                      </a:r>
-                    </a:p>
-                    <a:p>
-                      <a:pPr algn="l" latinLnBrk="1"/>
-                      <a:r>
-                        <a:rPr lang="en-US" altLang="ko-KR" sz="1000" baseline="0" dirty="0" smtClean="0"/>
-                        <a:t>Contents : Contents [</a:t>
-                      </a:r>
-                      <a:r>
-                        <a:rPr lang="ko-KR" altLang="en-US" sz="1000" baseline="0" dirty="0" smtClean="0"/>
-                        <a:t>제목</a:t>
-                      </a:r>
-                      <a:r>
-                        <a:rPr lang="en-US" altLang="ko-KR" sz="1000" baseline="0" dirty="0" smtClean="0"/>
-                        <a:t>, </a:t>
-                      </a:r>
-                      <a:r>
-                        <a:rPr lang="ko-KR" altLang="en-US" sz="1000" baseline="0" dirty="0" smtClean="0"/>
-                        <a:t>내용</a:t>
-                      </a:r>
-                      <a:r>
-                        <a:rPr lang="en-US" altLang="ko-KR" sz="1000" baseline="0" dirty="0" smtClean="0"/>
-                        <a:t>]</a:t>
-                      </a:r>
-                      <a:endParaRPr lang="en-US" altLang="ko-KR" sz="1000" dirty="0" smtClean="0"/>
-                    </a:p>
-                    <a:p>
-                      <a:pPr algn="l" latinLnBrk="1"/>
-                      <a:r>
-                        <a:rPr lang="en-US" altLang="ko-KR" sz="1000" b="1" dirty="0" err="1" smtClean="0"/>
-                        <a:t>consultingReserve</a:t>
-                      </a:r>
-                      <a:r>
-                        <a:rPr lang="en-US" altLang="ko-KR" sz="1000" b="1" dirty="0" smtClean="0"/>
-                        <a:t> </a:t>
-                      </a:r>
-                      <a:r>
-                        <a:rPr lang="en-US" altLang="ko-KR" sz="1000" b="1" dirty="0" smtClean="0"/>
-                        <a:t>:</a:t>
-                      </a:r>
-                      <a:r>
-                        <a:rPr lang="en-US" altLang="ko-KR" sz="1000" b="1" dirty="0" err="1" smtClean="0"/>
-                        <a:t>ConsultingReserve</a:t>
-                      </a:r>
-                      <a:r>
-                        <a:rPr lang="en-US" altLang="ko-KR" sz="1000" b="1" dirty="0" smtClean="0"/>
-                        <a:t>[</a:t>
-                      </a:r>
-                      <a:r>
-                        <a:rPr lang="ko-KR" altLang="en-US" sz="1000" b="1" dirty="0" smtClean="0"/>
-                        <a:t>상담예약</a:t>
-                      </a:r>
-                      <a:r>
-                        <a:rPr lang="en-US" altLang="ko-KR" sz="1000" b="1" dirty="0" smtClean="0"/>
-                        <a:t>]</a:t>
-                      </a:r>
-                    </a:p>
-                  </a:txBody>
-                  <a:tcPr/>
-                </a:tc>
-              </a:tr>
-            </a:tbl>
-          </a:graphicData>
-        </a:graphic>
-      </p:graphicFrame>
-      <p:cxnSp>
-        <p:nvCxnSpPr>
-          <p:cNvPr id="32" name="직선 화살표 연결선 31"/>
-          <p:cNvCxnSpPr>
-            <a:stCxn id="4" idx="3"/>
-            <a:endCxn id="25" idx="1"/>
+            <a:stCxn id="37" idx="0"/>
+            <a:endCxn id="6" idx="2"/>
           </p:cNvCxnSpPr>
           <p:nvPr/>
         </p:nvCxnSpPr>
         <p:spPr>
           <a:xfrm flipV="1">
-            <a:off x="5748981" y="736742"/>
-            <a:ext cx="1202724" cy="477244"/>
+            <a:off x="3118011" y="4622127"/>
+            <a:ext cx="14174" cy="609600"/>
           </a:xfrm>
           <a:prstGeom prst="straightConnector1">
             <a:avLst/>
@@ -4009,404 +4428,6 @@
           </a:fontRef>
         </p:style>
       </p:cxnSp>
-      <p:sp>
-        <p:nvSpPr>
-          <p:cNvPr id="35" name="TextBox 34"/>
-          <p:cNvSpPr txBox="1"/>
-          <p:nvPr/>
-        </p:nvSpPr>
-        <p:spPr>
-          <a:xfrm>
-            <a:off x="5748981" y="1307182"/>
-            <a:ext cx="311304" cy="369332"/>
-          </a:xfrm>
-          <a:prstGeom prst="rect">
-            <a:avLst/>
-          </a:prstGeom>
-          <a:noFill/>
-        </p:spPr>
-        <p:txBody>
-          <a:bodyPr wrap="none" rtlCol="0">
-            <a:spAutoFit/>
-          </a:bodyPr>
-          <a:lstStyle/>
-          <a:p>
-            <a:r>
-              <a:rPr lang="en-US" altLang="ko-KR" dirty="0" smtClean="0"/>
-              <a:t>1</a:t>
-            </a:r>
-            <a:endParaRPr lang="ko-KR" altLang="en-US" dirty="0"/>
-          </a:p>
-        </p:txBody>
-      </p:sp>
-      <p:sp>
-        <p:nvSpPr>
-          <p:cNvPr id="36" name="TextBox 35"/>
-          <p:cNvSpPr txBox="1"/>
-          <p:nvPr/>
-        </p:nvSpPr>
-        <p:spPr>
-          <a:xfrm>
-            <a:off x="6656344" y="985069"/>
-            <a:ext cx="311304" cy="369332"/>
-          </a:xfrm>
-          <a:prstGeom prst="rect">
-            <a:avLst/>
-          </a:prstGeom>
-          <a:noFill/>
-        </p:spPr>
-        <p:txBody>
-          <a:bodyPr wrap="none" rtlCol="0">
-            <a:spAutoFit/>
-          </a:bodyPr>
-          <a:lstStyle/>
-          <a:p>
-            <a:r>
-              <a:rPr lang="en-US" altLang="ko-KR" dirty="0" smtClean="0"/>
-              <a:t>1</a:t>
-            </a:r>
-            <a:endParaRPr lang="ko-KR" altLang="en-US" dirty="0"/>
-          </a:p>
-        </p:txBody>
-      </p:sp>
-      <p:graphicFrame>
-        <p:nvGraphicFramePr>
-          <p:cNvPr id="37" name="표 36"/>
-          <p:cNvGraphicFramePr>
-            <a:graphicFrameLocks noGrp="1"/>
-          </p:cNvGraphicFramePr>
-          <p:nvPr>
-            <p:extLst>
-              <p:ext uri="{D42A27DB-BD31-4B8C-83A1-F6EECF244321}">
-                <p14:modId xmlns:p14="http://schemas.microsoft.com/office/powerpoint/2010/main" val="2212957651"/>
-              </p:ext>
-            </p:extLst>
-          </p:nvPr>
-        </p:nvGraphicFramePr>
-        <p:xfrm>
-          <a:off x="1812324" y="5231727"/>
-          <a:ext cx="2611375" cy="1063030"/>
-        </p:xfrm>
-        <a:graphic>
-          <a:graphicData uri="http://schemas.openxmlformats.org/drawingml/2006/table">
-            <a:tbl>
-              <a:tblPr firstRow="1" bandRow="1">
-                <a:tableStyleId>{073A0DAA-6AF3-43AB-8588-CEC1D06C72B9}</a:tableStyleId>
-              </a:tblPr>
-              <a:tblGrid>
-                <a:gridCol w="2611375"/>
-              </a:tblGrid>
-              <a:tr h="153010">
-                <a:tc>
-                  <a:txBody>
-                    <a:bodyPr/>
-                    <a:lstStyle/>
-                    <a:p>
-                      <a:pPr algn="ctr" latinLnBrk="1"/>
-                      <a:r>
-                        <a:rPr lang="ko-KR" altLang="en-US" sz="1400" dirty="0" smtClean="0"/>
-                        <a:t>문의</a:t>
-                      </a:r>
-                      <a:r>
-                        <a:rPr lang="en-US" altLang="ko-KR" sz="1400" dirty="0" smtClean="0"/>
-                        <a:t>(Question)</a:t>
-                      </a:r>
-                      <a:endParaRPr lang="ko-KR" altLang="en-US" sz="1400" dirty="0"/>
-                    </a:p>
-                  </a:txBody>
-                  <a:tcPr/>
-                </a:tc>
-              </a:tr>
-              <a:tr h="758230">
-                <a:tc>
-                  <a:txBody>
-                    <a:bodyPr/>
-                    <a:lstStyle/>
-                    <a:p>
-                      <a:pPr algn="l" latinLnBrk="1"/>
-                      <a:r>
-                        <a:rPr lang="en-US" altLang="ko-KR" sz="1000" dirty="0" smtClean="0"/>
-                        <a:t>id : Long [</a:t>
-                      </a:r>
-                      <a:r>
-                        <a:rPr lang="ko-KR" altLang="en-US" sz="1000" dirty="0" err="1" smtClean="0"/>
-                        <a:t>기본키</a:t>
-                      </a:r>
-                      <a:r>
-                        <a:rPr lang="en-US" altLang="ko-KR" sz="1000" dirty="0" smtClean="0"/>
-                        <a:t>ID]</a:t>
-                      </a:r>
-                    </a:p>
-                    <a:p>
-                      <a:pPr algn="l" latinLnBrk="1"/>
-                      <a:r>
-                        <a:rPr lang="en-US" altLang="ko-KR" sz="1000" b="1" dirty="0" smtClean="0"/>
-                        <a:t>customer :Customer [</a:t>
-                      </a:r>
-                      <a:r>
-                        <a:rPr lang="ko-KR" altLang="en-US" sz="1000" b="1" dirty="0" smtClean="0"/>
-                        <a:t>예약자 </a:t>
-                      </a:r>
-                      <a:r>
-                        <a:rPr lang="en-US" altLang="ko-KR" sz="1000" b="1" dirty="0" smtClean="0"/>
-                        <a:t>, </a:t>
-                      </a:r>
-                      <a:r>
-                        <a:rPr lang="ko-KR" altLang="en-US" sz="1000" b="1" dirty="0" smtClean="0"/>
-                        <a:t>고객</a:t>
-                      </a:r>
-                      <a:r>
-                        <a:rPr lang="en-US" altLang="ko-KR" sz="1000" b="1" dirty="0" smtClean="0"/>
-                        <a:t>]</a:t>
-                      </a:r>
-                    </a:p>
-                    <a:p>
-                      <a:pPr algn="l" latinLnBrk="1"/>
-                      <a:r>
-                        <a:rPr lang="en-US" altLang="ko-KR" sz="1000" baseline="0" dirty="0" smtClean="0"/>
-                        <a:t>Contents : Contents [</a:t>
-                      </a:r>
-                      <a:r>
-                        <a:rPr lang="ko-KR" altLang="en-US" sz="1000" baseline="0" dirty="0" smtClean="0"/>
-                        <a:t>제목</a:t>
-                      </a:r>
-                      <a:r>
-                        <a:rPr lang="en-US" altLang="ko-KR" sz="1000" baseline="0" dirty="0" smtClean="0"/>
-                        <a:t>, </a:t>
-                      </a:r>
-                      <a:r>
-                        <a:rPr lang="ko-KR" altLang="en-US" sz="1000" baseline="0" dirty="0" smtClean="0"/>
-                        <a:t>내용</a:t>
-                      </a:r>
-                      <a:r>
-                        <a:rPr lang="en-US" altLang="ko-KR" sz="1000" baseline="0" dirty="0" smtClean="0"/>
-                        <a:t>]</a:t>
-                      </a:r>
-                      <a:endParaRPr lang="en-US" altLang="ko-KR" sz="1000" dirty="0" smtClean="0"/>
-                    </a:p>
-                  </a:txBody>
-                  <a:tcPr/>
-                </a:tc>
-              </a:tr>
-            </a:tbl>
-          </a:graphicData>
-        </a:graphic>
-      </p:graphicFrame>
-      <p:cxnSp>
-        <p:nvCxnSpPr>
-          <p:cNvPr id="38" name="직선 화살표 연결선 37"/>
-          <p:cNvCxnSpPr>
-            <a:stCxn id="37" idx="0"/>
-            <a:endCxn id="6" idx="2"/>
-          </p:cNvCxnSpPr>
-          <p:nvPr/>
-        </p:nvCxnSpPr>
-        <p:spPr>
-          <a:xfrm flipV="1">
-            <a:off x="3118011" y="4317327"/>
-            <a:ext cx="14174" cy="914400"/>
-          </a:xfrm>
-          <a:prstGeom prst="straightConnector1">
-            <a:avLst/>
-          </a:prstGeom>
-          <a:ln w="57150">
-            <a:solidFill>
-              <a:schemeClr val="tx1"/>
-            </a:solidFill>
-            <a:tailEnd type="triangle"/>
-          </a:ln>
-        </p:spPr>
-        <p:style>
-          <a:lnRef idx="1">
-            <a:schemeClr val="accent1"/>
-          </a:lnRef>
-          <a:fillRef idx="0">
-            <a:schemeClr val="accent1"/>
-          </a:fillRef>
-          <a:effectRef idx="0">
-            <a:schemeClr val="accent1"/>
-          </a:effectRef>
-          <a:fontRef idx="minor">
-            <a:schemeClr val="tx1"/>
-          </a:fontRef>
-        </p:style>
-      </p:cxnSp>
-      <p:sp>
-        <p:nvSpPr>
-          <p:cNvPr id="43" name="TextBox 42"/>
-          <p:cNvSpPr txBox="1"/>
-          <p:nvPr/>
-        </p:nvSpPr>
-        <p:spPr>
-          <a:xfrm>
-            <a:off x="2731834" y="4846297"/>
-            <a:ext cx="360996" cy="369332"/>
-          </a:xfrm>
-          <a:prstGeom prst="rect">
-            <a:avLst/>
-          </a:prstGeom>
-          <a:noFill/>
-        </p:spPr>
-        <p:txBody>
-          <a:bodyPr wrap="none" rtlCol="0">
-            <a:spAutoFit/>
-          </a:bodyPr>
-          <a:lstStyle/>
-          <a:p>
-            <a:r>
-              <a:rPr lang="en-US" altLang="ko-KR" dirty="0"/>
-              <a:t>N</a:t>
-            </a:r>
-            <a:endParaRPr lang="ko-KR" altLang="en-US" dirty="0"/>
-          </a:p>
-        </p:txBody>
-      </p:sp>
-      <p:sp>
-        <p:nvSpPr>
-          <p:cNvPr id="44" name="TextBox 43"/>
-          <p:cNvSpPr txBox="1"/>
-          <p:nvPr/>
-        </p:nvSpPr>
-        <p:spPr>
-          <a:xfrm>
-            <a:off x="2731834" y="4220529"/>
-            <a:ext cx="311304" cy="369332"/>
-          </a:xfrm>
-          <a:prstGeom prst="rect">
-            <a:avLst/>
-          </a:prstGeom>
-          <a:noFill/>
-        </p:spPr>
-        <p:txBody>
-          <a:bodyPr wrap="none" rtlCol="0">
-            <a:spAutoFit/>
-          </a:bodyPr>
-          <a:lstStyle/>
-          <a:p>
-            <a:r>
-              <a:rPr lang="en-US" altLang="ko-KR" dirty="0" smtClean="0"/>
-              <a:t>1</a:t>
-            </a:r>
-            <a:endParaRPr lang="ko-KR" altLang="en-US" dirty="0"/>
-          </a:p>
-        </p:txBody>
-      </p:sp>
-      <p:graphicFrame>
-        <p:nvGraphicFramePr>
-          <p:cNvPr id="19" name="표 18"/>
-          <p:cNvGraphicFramePr>
-            <a:graphicFrameLocks noGrp="1"/>
-          </p:cNvGraphicFramePr>
-          <p:nvPr>
-            <p:extLst>
-              <p:ext uri="{D42A27DB-BD31-4B8C-83A1-F6EECF244321}">
-                <p14:modId xmlns:p14="http://schemas.microsoft.com/office/powerpoint/2010/main" val="3081011100"/>
-              </p:ext>
-            </p:extLst>
-          </p:nvPr>
-        </p:nvGraphicFramePr>
-        <p:xfrm>
-          <a:off x="7724689" y="5142758"/>
-          <a:ext cx="2752811" cy="701040"/>
-        </p:xfrm>
-        <a:graphic>
-          <a:graphicData uri="http://schemas.openxmlformats.org/drawingml/2006/table">
-            <a:tbl>
-              <a:tblPr firstRow="1" bandRow="1">
-                <a:tableStyleId>{073A0DAA-6AF3-43AB-8588-CEC1D06C72B9}</a:tableStyleId>
-              </a:tblPr>
-              <a:tblGrid>
-                <a:gridCol w="2752811"/>
-              </a:tblGrid>
-              <a:tr h="215998">
-                <a:tc>
-                  <a:txBody>
-                    <a:bodyPr/>
-                    <a:lstStyle/>
-                    <a:p>
-                      <a:pPr algn="ctr" latinLnBrk="1"/>
-                      <a:r>
-                        <a:rPr lang="ko-KR" altLang="en-US" sz="1400" dirty="0" smtClean="0"/>
-                        <a:t>제목</a:t>
-                      </a:r>
-                      <a:r>
-                        <a:rPr lang="en-US" altLang="ko-KR" sz="1400" dirty="0" smtClean="0"/>
-                        <a:t>,</a:t>
-                      </a:r>
-                      <a:r>
-                        <a:rPr lang="ko-KR" altLang="en-US" sz="1400" dirty="0" smtClean="0"/>
-                        <a:t>내용</a:t>
-                      </a:r>
-                      <a:r>
-                        <a:rPr lang="en-US" altLang="ko-KR" sz="1400" dirty="0" smtClean="0"/>
-                        <a:t>(</a:t>
-                      </a:r>
-                      <a:r>
-                        <a:rPr lang="en-US" altLang="ko-KR" sz="1400" baseline="0" dirty="0" smtClean="0"/>
-                        <a:t>Contents</a:t>
-                      </a:r>
-                      <a:r>
-                        <a:rPr lang="en-US" altLang="ko-KR" sz="1400" dirty="0" smtClean="0"/>
-                        <a:t>) </a:t>
-                      </a:r>
-                      <a:r>
-                        <a:rPr lang="ko-KR" altLang="en-US" sz="1400" dirty="0" err="1" smtClean="0"/>
-                        <a:t>값타입</a:t>
-                      </a:r>
-                      <a:endParaRPr lang="ko-KR" altLang="en-US" sz="1400" dirty="0"/>
-                    </a:p>
-                  </a:txBody>
-                  <a:tcPr/>
-                </a:tc>
-              </a:tr>
-              <a:tr h="322255">
-                <a:tc>
-                  <a:txBody>
-                    <a:bodyPr/>
-                    <a:lstStyle/>
-                    <a:p>
-                      <a:pPr algn="l" latinLnBrk="1"/>
-                      <a:r>
-                        <a:rPr lang="en-US" altLang="ko-KR" sz="1000" dirty="0" smtClean="0"/>
-                        <a:t>tile</a:t>
-                      </a:r>
-                      <a:r>
-                        <a:rPr lang="en-US" altLang="ko-KR" sz="1000" baseline="0" dirty="0" smtClean="0"/>
-                        <a:t> : String [</a:t>
-                      </a:r>
-                      <a:r>
-                        <a:rPr lang="ko-KR" altLang="en-US" sz="1000" baseline="0" dirty="0" smtClean="0"/>
-                        <a:t>문의제목</a:t>
-                      </a:r>
-                      <a:r>
-                        <a:rPr lang="en-US" altLang="ko-KR" sz="1000" baseline="0" dirty="0" smtClean="0"/>
-                        <a:t>]</a:t>
-                      </a:r>
-                    </a:p>
-                    <a:p>
-                      <a:pPr algn="l" latinLnBrk="1"/>
-                      <a:r>
-                        <a:rPr lang="en-US" altLang="ko-KR" sz="1000" baseline="0" dirty="0" smtClean="0"/>
-                        <a:t>content :String [</a:t>
-                      </a:r>
-                      <a:r>
-                        <a:rPr lang="ko-KR" altLang="en-US" sz="1000" baseline="0" dirty="0" smtClean="0"/>
-                        <a:t>문의내용</a:t>
-                      </a:r>
-                      <a:r>
-                        <a:rPr lang="en-US" altLang="ko-KR" sz="1000" baseline="0" dirty="0" smtClean="0"/>
-                        <a:t>]</a:t>
-                      </a:r>
-                      <a:endParaRPr lang="en-US" altLang="ko-KR" sz="1000" dirty="0" smtClean="0"/>
-                    </a:p>
-                  </a:txBody>
-                  <a:tcPr/>
-                </a:tc>
-              </a:tr>
-            </a:tbl>
-          </a:graphicData>
-        </a:graphic>
-      </p:graphicFrame>
     </p:spTree>
     <p:extLst>
       <p:ext uri="{BB962C8B-B14F-4D97-AF65-F5344CB8AC3E}">
